--- a/docs/agwis.pptx
+++ b/docs/agwis.pptx
@@ -5,7 +5,7 @@
     <p:sldMasterId id="2147483665" r:id="rId1"/>
   </p:sldMasterIdLst>
   <p:notesMasterIdLst>
-    <p:notesMasterId r:id="rId42"/>
+    <p:notesMasterId r:id="rId52"/>
   </p:notesMasterIdLst>
   <p:sldIdLst>
     <p:sldId id="276" r:id="rId2"/>
@@ -46,8 +46,18 @@
     <p:sldId id="564" r:id="rId37"/>
     <p:sldId id="565" r:id="rId38"/>
     <p:sldId id="568" r:id="rId39"/>
-    <p:sldId id="558" r:id="rId40"/>
-    <p:sldId id="559" r:id="rId41"/>
+    <p:sldId id="569" r:id="rId40"/>
+    <p:sldId id="573" r:id="rId41"/>
+    <p:sldId id="570" r:id="rId42"/>
+    <p:sldId id="571" r:id="rId43"/>
+    <p:sldId id="574" r:id="rId44"/>
+    <p:sldId id="575" r:id="rId45"/>
+    <p:sldId id="576" r:id="rId46"/>
+    <p:sldId id="577" r:id="rId47"/>
+    <p:sldId id="578" r:id="rId48"/>
+    <p:sldId id="579" r:id="rId49"/>
+    <p:sldId id="558" r:id="rId50"/>
+    <p:sldId id="559" r:id="rId51"/>
   </p:sldIdLst>
   <p:sldSz cx="12192000" cy="6858000"/>
   <p:notesSz cx="6858000" cy="9144000"/>
@@ -259,7 +269,7 @@
             <a:pPr>
               <a:defRPr/>
             </a:pPr>
-            <a:endParaRPr lang="en-US"/>
+            <a:endParaRPr lang="en-US" dirty="0"/>
           </a:p>
         </p:txBody>
       </p:sp>
@@ -307,9 +317,9 @@
               <a:pPr>
                 <a:defRPr/>
               </a:pPr>
-              <a:t>3/6/2021</a:t>
+              <a:t>3/20/2021</a:t>
             </a:fld>
-            <a:endParaRPr lang="en-US"/>
+            <a:endParaRPr lang="en-US" dirty="0"/>
           </a:p>
         </p:txBody>
       </p:sp>
@@ -343,7 +353,7 @@
           <a:lstStyle/>
           <a:p>
             <a:pPr lvl="0"/>
-            <a:endParaRPr lang="en-US" noProof="0"/>
+            <a:endParaRPr lang="en-US" noProof="0" dirty="0"/>
           </a:p>
         </p:txBody>
       </p:sp>
@@ -447,7 +457,7 @@
             <a:pPr>
               <a:defRPr/>
             </a:pPr>
-            <a:endParaRPr lang="en-US"/>
+            <a:endParaRPr lang="en-US" dirty="0"/>
           </a:p>
         </p:txBody>
       </p:sp>
@@ -494,7 +504,7 @@
               </a:pPr>
               <a:t>‹#›</a:t>
             </a:fld>
-            <a:endParaRPr lang="en-US" altLang="en-US"/>
+            <a:endParaRPr lang="en-US" altLang="en-US" dirty="0"/>
           </a:p>
         </p:txBody>
       </p:sp>
@@ -1865,9 +1875,9 @@
               <a:pPr>
                 <a:defRPr/>
               </a:pPr>
-              <a:t>3/6/2021</a:t>
+              <a:t>3/20/2021</a:t>
             </a:fld>
-            <a:endParaRPr lang="en-US"/>
+            <a:endParaRPr lang="en-US" dirty="0"/>
           </a:p>
         </p:txBody>
       </p:sp>
@@ -1893,7 +1903,7 @@
             <a:pPr>
               <a:defRPr/>
             </a:pPr>
-            <a:endParaRPr lang="en-US"/>
+            <a:endParaRPr lang="en-US" dirty="0"/>
           </a:p>
         </p:txBody>
       </p:sp>
@@ -1926,7 +1936,7 @@
               </a:pPr>
               <a:t>‹#›</a:t>
             </a:fld>
-            <a:endParaRPr lang="en-US" altLang="en-US"/>
+            <a:endParaRPr lang="en-US" altLang="en-US" dirty="0"/>
           </a:p>
         </p:txBody>
       </p:sp>
@@ -2060,9 +2070,9 @@
               <a:pPr>
                 <a:defRPr/>
               </a:pPr>
-              <a:t>3/6/2021</a:t>
+              <a:t>3/20/2021</a:t>
             </a:fld>
-            <a:endParaRPr lang="en-US"/>
+            <a:endParaRPr lang="en-US" dirty="0"/>
           </a:p>
         </p:txBody>
       </p:sp>
@@ -2088,7 +2098,7 @@
             <a:pPr>
               <a:defRPr/>
             </a:pPr>
-            <a:endParaRPr lang="en-US"/>
+            <a:endParaRPr lang="en-US" dirty="0"/>
           </a:p>
         </p:txBody>
       </p:sp>
@@ -2121,7 +2131,7 @@
               </a:pPr>
               <a:t>‹#›</a:t>
             </a:fld>
-            <a:endParaRPr lang="en-US" altLang="en-US"/>
+            <a:endParaRPr lang="en-US" altLang="en-US" dirty="0"/>
           </a:p>
         </p:txBody>
       </p:sp>
@@ -2265,9 +2275,9 @@
               <a:pPr>
                 <a:defRPr/>
               </a:pPr>
-              <a:t>3/6/2021</a:t>
+              <a:t>3/20/2021</a:t>
             </a:fld>
-            <a:endParaRPr lang="en-US"/>
+            <a:endParaRPr lang="en-US" dirty="0"/>
           </a:p>
         </p:txBody>
       </p:sp>
@@ -2293,7 +2303,7 @@
             <a:pPr>
               <a:defRPr/>
             </a:pPr>
-            <a:endParaRPr lang="en-US"/>
+            <a:endParaRPr lang="en-US" dirty="0"/>
           </a:p>
         </p:txBody>
       </p:sp>
@@ -2326,7 +2336,7 @@
               </a:pPr>
               <a:t>‹#›</a:t>
             </a:fld>
-            <a:endParaRPr lang="en-US" altLang="en-US"/>
+            <a:endParaRPr lang="en-US" altLang="en-US" dirty="0"/>
           </a:p>
         </p:txBody>
       </p:sp>
@@ -2460,9 +2470,9 @@
               <a:pPr>
                 <a:defRPr/>
               </a:pPr>
-              <a:t>3/6/2021</a:t>
+              <a:t>3/20/2021</a:t>
             </a:fld>
-            <a:endParaRPr lang="en-US"/>
+            <a:endParaRPr lang="en-US" dirty="0"/>
           </a:p>
         </p:txBody>
       </p:sp>
@@ -2488,7 +2498,7 @@
             <a:pPr>
               <a:defRPr/>
             </a:pPr>
-            <a:endParaRPr lang="en-US"/>
+            <a:endParaRPr lang="en-US" dirty="0"/>
           </a:p>
         </p:txBody>
       </p:sp>
@@ -2521,7 +2531,7 @@
               </a:pPr>
               <a:t>‹#›</a:t>
             </a:fld>
-            <a:endParaRPr lang="en-US" altLang="en-US"/>
+            <a:endParaRPr lang="en-US" altLang="en-US" dirty="0"/>
           </a:p>
         </p:txBody>
       </p:sp>
@@ -2732,9 +2742,9 @@
               <a:pPr>
                 <a:defRPr/>
               </a:pPr>
-              <a:t>3/6/2021</a:t>
+              <a:t>3/20/2021</a:t>
             </a:fld>
-            <a:endParaRPr lang="en-US"/>
+            <a:endParaRPr lang="en-US" dirty="0"/>
           </a:p>
         </p:txBody>
       </p:sp>
@@ -2760,7 +2770,7 @@
             <a:pPr>
               <a:defRPr/>
             </a:pPr>
-            <a:endParaRPr lang="en-US"/>
+            <a:endParaRPr lang="en-US" dirty="0"/>
           </a:p>
         </p:txBody>
       </p:sp>
@@ -2793,7 +2803,7 @@
               </a:pPr>
               <a:t>‹#›</a:t>
             </a:fld>
-            <a:endParaRPr lang="en-US" altLang="en-US"/>
+            <a:endParaRPr lang="en-US" altLang="en-US" dirty="0"/>
           </a:p>
         </p:txBody>
       </p:sp>
@@ -3044,9 +3054,9 @@
               <a:pPr>
                 <a:defRPr/>
               </a:pPr>
-              <a:t>3/6/2021</a:t>
+              <a:t>3/20/2021</a:t>
             </a:fld>
-            <a:endParaRPr lang="en-US"/>
+            <a:endParaRPr lang="en-US" dirty="0"/>
           </a:p>
         </p:txBody>
       </p:sp>
@@ -3072,7 +3082,7 @@
             <a:pPr>
               <a:defRPr/>
             </a:pPr>
-            <a:endParaRPr lang="en-US"/>
+            <a:endParaRPr lang="en-US" dirty="0"/>
           </a:p>
         </p:txBody>
       </p:sp>
@@ -3105,7 +3115,7 @@
               </a:pPr>
               <a:t>‹#›</a:t>
             </a:fld>
-            <a:endParaRPr lang="en-US" altLang="en-US"/>
+            <a:endParaRPr lang="en-US" altLang="en-US" dirty="0"/>
           </a:p>
         </p:txBody>
       </p:sp>
@@ -3495,9 +3505,9 @@
               <a:pPr>
                 <a:defRPr/>
               </a:pPr>
-              <a:t>3/6/2021</a:t>
+              <a:t>3/20/2021</a:t>
             </a:fld>
-            <a:endParaRPr lang="en-US"/>
+            <a:endParaRPr lang="en-US" dirty="0"/>
           </a:p>
         </p:txBody>
       </p:sp>
@@ -3523,7 +3533,7 @@
             <a:pPr>
               <a:defRPr/>
             </a:pPr>
-            <a:endParaRPr lang="en-US"/>
+            <a:endParaRPr lang="en-US" dirty="0"/>
           </a:p>
         </p:txBody>
       </p:sp>
@@ -3556,7 +3566,7 @@
               </a:pPr>
               <a:t>‹#›</a:t>
             </a:fld>
-            <a:endParaRPr lang="en-US" altLang="en-US"/>
+            <a:endParaRPr lang="en-US" altLang="en-US" dirty="0"/>
           </a:p>
         </p:txBody>
       </p:sp>
@@ -3639,9 +3649,9 @@
               <a:pPr>
                 <a:defRPr/>
               </a:pPr>
-              <a:t>3/6/2021</a:t>
+              <a:t>3/20/2021</a:t>
             </a:fld>
-            <a:endParaRPr lang="en-US"/>
+            <a:endParaRPr lang="en-US" dirty="0"/>
           </a:p>
         </p:txBody>
       </p:sp>
@@ -3667,7 +3677,7 @@
             <a:pPr>
               <a:defRPr/>
             </a:pPr>
-            <a:endParaRPr lang="en-US"/>
+            <a:endParaRPr lang="en-US" dirty="0"/>
           </a:p>
         </p:txBody>
       </p:sp>
@@ -3700,7 +3710,7 @@
               </a:pPr>
               <a:t>‹#›</a:t>
             </a:fld>
-            <a:endParaRPr lang="en-US" altLang="en-US"/>
+            <a:endParaRPr lang="en-US" altLang="en-US" dirty="0"/>
           </a:p>
         </p:txBody>
       </p:sp>
@@ -3761,9 +3771,9 @@
               <a:pPr>
                 <a:defRPr/>
               </a:pPr>
-              <a:t>3/6/2021</a:t>
+              <a:t>3/20/2021</a:t>
             </a:fld>
-            <a:endParaRPr lang="en-US"/>
+            <a:endParaRPr lang="en-US" dirty="0"/>
           </a:p>
         </p:txBody>
       </p:sp>
@@ -3789,7 +3799,7 @@
             <a:pPr>
               <a:defRPr/>
             </a:pPr>
-            <a:endParaRPr lang="en-US"/>
+            <a:endParaRPr lang="en-US" dirty="0"/>
           </a:p>
         </p:txBody>
       </p:sp>
@@ -3822,7 +3832,7 @@
               </a:pPr>
               <a:t>‹#›</a:t>
             </a:fld>
-            <a:endParaRPr lang="en-US" altLang="en-US"/>
+            <a:endParaRPr lang="en-US" altLang="en-US" dirty="0"/>
           </a:p>
         </p:txBody>
       </p:sp>
@@ -4063,9 +4073,9 @@
               <a:pPr>
                 <a:defRPr/>
               </a:pPr>
-              <a:t>3/6/2021</a:t>
+              <a:t>3/20/2021</a:t>
             </a:fld>
-            <a:endParaRPr lang="en-US"/>
+            <a:endParaRPr lang="en-US" dirty="0"/>
           </a:p>
         </p:txBody>
       </p:sp>
@@ -4091,7 +4101,7 @@
             <a:pPr>
               <a:defRPr/>
             </a:pPr>
-            <a:endParaRPr lang="en-US"/>
+            <a:endParaRPr lang="en-US" dirty="0"/>
           </a:p>
         </p:txBody>
       </p:sp>
@@ -4124,7 +4134,7 @@
               </a:pPr>
               <a:t>‹#›</a:t>
             </a:fld>
-            <a:endParaRPr lang="en-US" altLang="en-US"/>
+            <a:endParaRPr lang="en-US" altLang="en-US" dirty="0"/>
           </a:p>
         </p:txBody>
       </p:sp>
@@ -4249,7 +4259,7 @@
           </a:lstStyle>
           <a:p>
             <a:pPr lvl="0"/>
-            <a:endParaRPr lang="en-US" noProof="0"/>
+            <a:endParaRPr lang="en-US" noProof="0" dirty="0"/>
           </a:p>
         </p:txBody>
       </p:sp>
@@ -4345,9 +4355,9 @@
               <a:pPr>
                 <a:defRPr/>
               </a:pPr>
-              <a:t>3/6/2021</a:t>
+              <a:t>3/20/2021</a:t>
             </a:fld>
-            <a:endParaRPr lang="en-US"/>
+            <a:endParaRPr lang="en-US" dirty="0"/>
           </a:p>
         </p:txBody>
       </p:sp>
@@ -4373,7 +4383,7 @@
             <a:pPr>
               <a:defRPr/>
             </a:pPr>
-            <a:endParaRPr lang="en-US"/>
+            <a:endParaRPr lang="en-US" dirty="0"/>
           </a:p>
         </p:txBody>
       </p:sp>
@@ -4406,7 +4416,7 @@
               </a:pPr>
               <a:t>‹#›</a:t>
             </a:fld>
-            <a:endParaRPr lang="en-US" altLang="en-US"/>
+            <a:endParaRPr lang="en-US" altLang="en-US" dirty="0"/>
           </a:p>
         </p:txBody>
       </p:sp>
@@ -4641,9 +4651,9 @@
               <a:pPr>
                 <a:defRPr/>
               </a:pPr>
-              <a:t>3/6/2021</a:t>
+              <a:t>3/20/2021</a:t>
             </a:fld>
-            <a:endParaRPr lang="en-US"/>
+            <a:endParaRPr lang="en-US" dirty="0"/>
           </a:p>
         </p:txBody>
       </p:sp>
@@ -4691,7 +4701,7 @@
             <a:pPr>
               <a:defRPr/>
             </a:pPr>
-            <a:endParaRPr lang="en-US"/>
+            <a:endParaRPr lang="en-US" dirty="0"/>
           </a:p>
         </p:txBody>
       </p:sp>
@@ -4741,7 +4751,7 @@
               </a:pPr>
               <a:t>‹#›</a:t>
             </a:fld>
-            <a:endParaRPr lang="en-US" altLang="en-US"/>
+            <a:endParaRPr lang="en-US" altLang="en-US" dirty="0"/>
           </a:p>
         </p:txBody>
       </p:sp>
@@ -31122,14 +31132,13 @@
         </p:nvPicPr>
         <p:blipFill>
           <a:blip r:embed="rId2"/>
-          <a:stretch>
-            <a:fillRect/>
-          </a:stretch>
+          <a:srcRect/>
+          <a:stretch/>
         </p:blipFill>
         <p:spPr>
           <a:xfrm>
-            <a:off x="1616765" y="552450"/>
-            <a:ext cx="9448800" cy="5753100"/>
+            <a:off x="1656522" y="552450"/>
+            <a:ext cx="9409043" cy="6007376"/>
           </a:xfrm>
           <a:prstGeom prst="rect">
             <a:avLst/>
@@ -31166,36 +31175,6 @@
           <a:chExt cx="0" cy="0"/>
         </a:xfrm>
       </p:grpSpPr>
-      <p:pic>
-        <p:nvPicPr>
-          <p:cNvPr id="3" name="Picture 2">
-            <a:extLst>
-              <a:ext uri="{FF2B5EF4-FFF2-40B4-BE49-F238E27FC236}">
-                <a16:creationId xmlns:a16="http://schemas.microsoft.com/office/drawing/2014/main" id="{4B2E79DB-3CC5-47DF-8C19-F35E22954743}"/>
-              </a:ext>
-            </a:extLst>
-          </p:cNvPr>
-          <p:cNvPicPr>
-            <a:picLocks noChangeAspect="1"/>
-          </p:cNvPicPr>
-          <p:nvPr/>
-        </p:nvPicPr>
-        <p:blipFill>
-          <a:blip r:embed="rId2"/>
-          <a:stretch>
-            <a:fillRect/>
-          </a:stretch>
-        </p:blipFill>
-        <p:spPr>
-          <a:xfrm>
-            <a:off x="3967162" y="519112"/>
-            <a:ext cx="4257675" cy="5819775"/>
-          </a:xfrm>
-          <a:prstGeom prst="rect">
-            <a:avLst/>
-          </a:prstGeom>
-        </p:spPr>
-      </p:pic>
       <p:sp>
         <p:nvSpPr>
           <p:cNvPr id="4" name="Oval 3">
@@ -31210,7 +31189,7 @@
         </p:nvSpPr>
         <p:spPr>
           <a:xfrm>
-            <a:off x="3751138" y="2110171"/>
+            <a:off x="4248871" y="2085141"/>
             <a:ext cx="432048" cy="432048"/>
           </a:xfrm>
           <a:prstGeom prst="ellipse">
@@ -31256,7 +31235,7 @@
         </p:nvCxnSpPr>
         <p:spPr>
           <a:xfrm>
-            <a:off x="3685453" y="2734614"/>
+            <a:off x="4183186" y="2709584"/>
             <a:ext cx="468051" cy="0"/>
           </a:xfrm>
           <a:prstGeom prst="line">
@@ -31292,7 +31271,7 @@
         </p:nvCxnSpPr>
         <p:spPr>
           <a:xfrm flipH="1">
-            <a:off x="3751138" y="3118283"/>
+            <a:off x="4248871" y="3093253"/>
             <a:ext cx="216024" cy="216024"/>
           </a:xfrm>
           <a:prstGeom prst="line">
@@ -31330,7 +31309,7 @@
         </p:nvCxnSpPr>
         <p:spPr>
           <a:xfrm>
-            <a:off x="3967162" y="2542219"/>
+            <a:off x="4464895" y="2517189"/>
             <a:ext cx="0" cy="576064"/>
           </a:xfrm>
           <a:prstGeom prst="line">
@@ -31366,7 +31345,7 @@
         </p:nvCxnSpPr>
         <p:spPr>
           <a:xfrm>
-            <a:off x="3967162" y="3118283"/>
+            <a:off x="4464895" y="3093253"/>
             <a:ext cx="216024" cy="174488"/>
           </a:xfrm>
           <a:prstGeom prst="line">
@@ -31423,6 +31402,36 @@
           </a:p>
         </p:txBody>
       </p:sp>
+      <p:pic>
+        <p:nvPicPr>
+          <p:cNvPr id="10" name="Picture 9">
+            <a:extLst>
+              <a:ext uri="{FF2B5EF4-FFF2-40B4-BE49-F238E27FC236}">
+                <a16:creationId xmlns:a16="http://schemas.microsoft.com/office/drawing/2014/main" id="{51CE86F5-B25D-4749-82E2-DC08E9A17DBC}"/>
+              </a:ext>
+            </a:extLst>
+          </p:cNvPr>
+          <p:cNvPicPr>
+            <a:picLocks noChangeAspect="1"/>
+          </p:cNvPicPr>
+          <p:nvPr/>
+        </p:nvPicPr>
+        <p:blipFill>
+          <a:blip r:embed="rId2"/>
+          <a:stretch>
+            <a:fillRect/>
+          </a:stretch>
+        </p:blipFill>
+        <p:spPr>
+          <a:xfrm>
+            <a:off x="4680919" y="399389"/>
+            <a:ext cx="4299426" cy="5819775"/>
+          </a:xfrm>
+          <a:prstGeom prst="rect">
+            <a:avLst/>
+          </a:prstGeom>
+        </p:spPr>
+      </p:pic>
     </p:spTree>
     <p:extLst>
       <p:ext uri="{BB962C8B-B14F-4D97-AF65-F5344CB8AC3E}">
@@ -31453,35 +31462,6 @@
           <a:chExt cx="0" cy="0"/>
         </a:xfrm>
       </p:grpSpPr>
-      <p:pic>
-        <p:nvPicPr>
-          <p:cNvPr id="3" name="Picture 2">
-            <a:extLst>
-              <a:ext uri="{FF2B5EF4-FFF2-40B4-BE49-F238E27FC236}">
-                <a16:creationId xmlns:a16="http://schemas.microsoft.com/office/drawing/2014/main" id="{53EE4FB9-44A1-412A-9B04-03499956F5F5}"/>
-              </a:ext>
-            </a:extLst>
-          </p:cNvPr>
-          <p:cNvPicPr>
-            <a:picLocks noChangeAspect="1"/>
-          </p:cNvPicPr>
-          <p:nvPr/>
-        </p:nvPicPr>
-        <p:blipFill>
-          <a:blip r:embed="rId2"/>
-          <a:srcRect/>
-          <a:stretch/>
-        </p:blipFill>
-        <p:spPr>
-          <a:xfrm>
-            <a:off x="3963677" y="646061"/>
-            <a:ext cx="6105975" cy="5565877"/>
-          </a:xfrm>
-          <a:prstGeom prst="rect">
-            <a:avLst/>
-          </a:prstGeom>
-        </p:spPr>
-      </p:pic>
       <p:sp>
         <p:nvSpPr>
           <p:cNvPr id="4" name="TextBox 3">
@@ -31709,6 +31689,36 @@
           </a:fontRef>
         </p:style>
       </p:cxnSp>
+      <p:pic>
+        <p:nvPicPr>
+          <p:cNvPr id="5" name="Picture 4">
+            <a:extLst>
+              <a:ext uri="{FF2B5EF4-FFF2-40B4-BE49-F238E27FC236}">
+                <a16:creationId xmlns:a16="http://schemas.microsoft.com/office/drawing/2014/main" id="{844504AB-468A-40C6-871C-10BF6B7231AA}"/>
+              </a:ext>
+            </a:extLst>
+          </p:cNvPr>
+          <p:cNvPicPr>
+            <a:picLocks noChangeAspect="1"/>
+          </p:cNvPicPr>
+          <p:nvPr/>
+        </p:nvPicPr>
+        <p:blipFill>
+          <a:blip r:embed="rId2"/>
+          <a:stretch>
+            <a:fillRect/>
+          </a:stretch>
+        </p:blipFill>
+        <p:spPr>
+          <a:xfrm>
+            <a:off x="4179702" y="440462"/>
+            <a:ext cx="6248400" cy="5829300"/>
+          </a:xfrm>
+          <a:prstGeom prst="rect">
+            <a:avLst/>
+          </a:prstGeom>
+        </p:spPr>
+      </p:pic>
     </p:spTree>
     <p:extLst>
       <p:ext uri="{BB962C8B-B14F-4D97-AF65-F5344CB8AC3E}">
@@ -31739,36 +31749,6 @@
           <a:chExt cx="0" cy="0"/>
         </a:xfrm>
       </p:grpSpPr>
-      <p:pic>
-        <p:nvPicPr>
-          <p:cNvPr id="3" name="Picture 2">
-            <a:extLst>
-              <a:ext uri="{FF2B5EF4-FFF2-40B4-BE49-F238E27FC236}">
-                <a16:creationId xmlns:a16="http://schemas.microsoft.com/office/drawing/2014/main" id="{FAC49051-3369-41C4-9258-8BCDA82681E9}"/>
-              </a:ext>
-            </a:extLst>
-          </p:cNvPr>
-          <p:cNvPicPr>
-            <a:picLocks noChangeAspect="1"/>
-          </p:cNvPicPr>
-          <p:nvPr/>
-        </p:nvPicPr>
-        <p:blipFill>
-          <a:blip r:embed="rId2"/>
-          <a:stretch>
-            <a:fillRect/>
-          </a:stretch>
-        </p:blipFill>
-        <p:spPr>
-          <a:xfrm>
-            <a:off x="4315149" y="0"/>
-            <a:ext cx="5690242" cy="6858000"/>
-          </a:xfrm>
-          <a:prstGeom prst="rect">
-            <a:avLst/>
-          </a:prstGeom>
-        </p:spPr>
-      </p:pic>
       <p:sp>
         <p:nvSpPr>
           <p:cNvPr id="2" name="TextBox 1">
@@ -31804,6 +31784,36 @@
           </a:p>
         </p:txBody>
       </p:sp>
+      <p:pic>
+        <p:nvPicPr>
+          <p:cNvPr id="6" name="Picture 5">
+            <a:extLst>
+              <a:ext uri="{FF2B5EF4-FFF2-40B4-BE49-F238E27FC236}">
+                <a16:creationId xmlns:a16="http://schemas.microsoft.com/office/drawing/2014/main" id="{B003B9BD-EEDD-4569-9DFD-F09F0CADA8E8}"/>
+              </a:ext>
+            </a:extLst>
+          </p:cNvPr>
+          <p:cNvPicPr>
+            <a:picLocks noChangeAspect="1"/>
+          </p:cNvPicPr>
+          <p:nvPr/>
+        </p:nvPicPr>
+        <p:blipFill>
+          <a:blip r:embed="rId2"/>
+          <a:stretch>
+            <a:fillRect/>
+          </a:stretch>
+        </p:blipFill>
+        <p:spPr>
+          <a:xfrm>
+            <a:off x="3869635" y="0"/>
+            <a:ext cx="7315200" cy="6858000"/>
+          </a:xfrm>
+          <a:prstGeom prst="rect">
+            <a:avLst/>
+          </a:prstGeom>
+        </p:spPr>
+      </p:pic>
     </p:spTree>
     <p:extLst>
       <p:ext uri="{BB962C8B-B14F-4D97-AF65-F5344CB8AC3E}">
@@ -31834,36 +31844,6 @@
           <a:chExt cx="0" cy="0"/>
         </a:xfrm>
       </p:grpSpPr>
-      <p:pic>
-        <p:nvPicPr>
-          <p:cNvPr id="5" name="Picture 4">
-            <a:extLst>
-              <a:ext uri="{FF2B5EF4-FFF2-40B4-BE49-F238E27FC236}">
-                <a16:creationId xmlns:a16="http://schemas.microsoft.com/office/drawing/2014/main" id="{BB6239A2-7D19-480A-8FCE-83CAAADD318A}"/>
-              </a:ext>
-            </a:extLst>
-          </p:cNvPr>
-          <p:cNvPicPr>
-            <a:picLocks noChangeAspect="1"/>
-          </p:cNvPicPr>
-          <p:nvPr/>
-        </p:nvPicPr>
-        <p:blipFill>
-          <a:blip r:embed="rId2"/>
-          <a:stretch>
-            <a:fillRect/>
-          </a:stretch>
-        </p:blipFill>
-        <p:spPr>
-          <a:xfrm>
-            <a:off x="3481754" y="257908"/>
-            <a:ext cx="7057293" cy="6400801"/>
-          </a:xfrm>
-          <a:prstGeom prst="rect">
-            <a:avLst/>
-          </a:prstGeom>
-        </p:spPr>
-      </p:pic>
       <p:sp>
         <p:nvSpPr>
           <p:cNvPr id="6" name="TextBox 5">
@@ -31899,6 +31879,36 @@
           </a:p>
         </p:txBody>
       </p:sp>
+      <p:pic>
+        <p:nvPicPr>
+          <p:cNvPr id="3" name="Picture 2">
+            <a:extLst>
+              <a:ext uri="{FF2B5EF4-FFF2-40B4-BE49-F238E27FC236}">
+                <a16:creationId xmlns:a16="http://schemas.microsoft.com/office/drawing/2014/main" id="{9CFD8536-54B3-4229-B7E4-3809B4D69500}"/>
+              </a:ext>
+            </a:extLst>
+          </p:cNvPr>
+          <p:cNvPicPr>
+            <a:picLocks noChangeAspect="1"/>
+          </p:cNvPicPr>
+          <p:nvPr/>
+        </p:nvPicPr>
+        <p:blipFill>
+          <a:blip r:embed="rId2"/>
+          <a:stretch>
+            <a:fillRect/>
+          </a:stretch>
+        </p:blipFill>
+        <p:spPr>
+          <a:xfrm>
+            <a:off x="3882887" y="0"/>
+            <a:ext cx="6453810" cy="6858000"/>
+          </a:xfrm>
+          <a:prstGeom prst="rect">
+            <a:avLst/>
+          </a:prstGeom>
+        </p:spPr>
+      </p:pic>
     </p:spTree>
     <p:extLst>
       <p:ext uri="{BB962C8B-B14F-4D97-AF65-F5344CB8AC3E}">
@@ -31929,36 +31939,6 @@
           <a:chExt cx="0" cy="0"/>
         </a:xfrm>
       </p:grpSpPr>
-      <p:pic>
-        <p:nvPicPr>
-          <p:cNvPr id="19" name="Picture 18">
-            <a:extLst>
-              <a:ext uri="{FF2B5EF4-FFF2-40B4-BE49-F238E27FC236}">
-                <a16:creationId xmlns:a16="http://schemas.microsoft.com/office/drawing/2014/main" id="{1D9CCF70-6BFA-4696-A1D2-0869ECF5EDFA}"/>
-              </a:ext>
-            </a:extLst>
-          </p:cNvPr>
-          <p:cNvPicPr>
-            <a:picLocks noChangeAspect="1"/>
-          </p:cNvPicPr>
-          <p:nvPr/>
-        </p:nvPicPr>
-        <p:blipFill>
-          <a:blip r:embed="rId2"/>
-          <a:stretch>
-            <a:fillRect/>
-          </a:stretch>
-        </p:blipFill>
-        <p:spPr>
-          <a:xfrm>
-            <a:off x="2971461" y="0"/>
-            <a:ext cx="6249077" cy="6858000"/>
-          </a:xfrm>
-          <a:prstGeom prst="rect">
-            <a:avLst/>
-          </a:prstGeom>
-        </p:spPr>
-      </p:pic>
       <p:sp>
         <p:nvSpPr>
           <p:cNvPr id="20" name="TextBox 19">
@@ -31994,6 +31974,36 @@
           </a:p>
         </p:txBody>
       </p:sp>
+      <p:pic>
+        <p:nvPicPr>
+          <p:cNvPr id="7" name="Picture 6">
+            <a:extLst>
+              <a:ext uri="{FF2B5EF4-FFF2-40B4-BE49-F238E27FC236}">
+                <a16:creationId xmlns:a16="http://schemas.microsoft.com/office/drawing/2014/main" id="{B56359B5-89AB-4DEF-8EAB-2F5626004486}"/>
+              </a:ext>
+            </a:extLst>
+          </p:cNvPr>
+          <p:cNvPicPr>
+            <a:picLocks noChangeAspect="1"/>
+          </p:cNvPicPr>
+          <p:nvPr/>
+        </p:nvPicPr>
+        <p:blipFill>
+          <a:blip r:embed="rId2"/>
+          <a:stretch>
+            <a:fillRect/>
+          </a:stretch>
+        </p:blipFill>
+        <p:spPr>
+          <a:xfrm>
+            <a:off x="3628682" y="0"/>
+            <a:ext cx="6389961" cy="6858000"/>
+          </a:xfrm>
+          <a:prstGeom prst="rect">
+            <a:avLst/>
+          </a:prstGeom>
+        </p:spPr>
+      </p:pic>
     </p:spTree>
     <p:extLst>
       <p:ext uri="{BB962C8B-B14F-4D97-AF65-F5344CB8AC3E}">
@@ -32024,36 +32034,6 @@
           <a:chExt cx="0" cy="0"/>
         </a:xfrm>
       </p:grpSpPr>
-      <p:pic>
-        <p:nvPicPr>
-          <p:cNvPr id="3" name="Picture 2">
-            <a:extLst>
-              <a:ext uri="{FF2B5EF4-FFF2-40B4-BE49-F238E27FC236}">
-                <a16:creationId xmlns:a16="http://schemas.microsoft.com/office/drawing/2014/main" id="{B3D01340-9737-4C3A-BEC8-E26AAC71046B}"/>
-              </a:ext>
-            </a:extLst>
-          </p:cNvPr>
-          <p:cNvPicPr>
-            <a:picLocks noChangeAspect="1"/>
-          </p:cNvPicPr>
-          <p:nvPr/>
-        </p:nvPicPr>
-        <p:blipFill>
-          <a:blip r:embed="rId2"/>
-          <a:stretch>
-            <a:fillRect/>
-          </a:stretch>
-        </p:blipFill>
-        <p:spPr>
-          <a:xfrm>
-            <a:off x="3469466" y="0"/>
-            <a:ext cx="5253068" cy="6858000"/>
-          </a:xfrm>
-          <a:prstGeom prst="rect">
-            <a:avLst/>
-          </a:prstGeom>
-        </p:spPr>
-      </p:pic>
       <p:sp>
         <p:nvSpPr>
           <p:cNvPr id="4" name="TextBox 3">
@@ -32089,6 +32069,36 @@
           </a:p>
         </p:txBody>
       </p:sp>
+      <p:pic>
+        <p:nvPicPr>
+          <p:cNvPr id="5" name="Picture 4">
+            <a:extLst>
+              <a:ext uri="{FF2B5EF4-FFF2-40B4-BE49-F238E27FC236}">
+                <a16:creationId xmlns:a16="http://schemas.microsoft.com/office/drawing/2014/main" id="{610F3BBF-E3B4-4C0A-8B3A-0AE9FF11BF17}"/>
+              </a:ext>
+            </a:extLst>
+          </p:cNvPr>
+          <p:cNvPicPr>
+            <a:picLocks noChangeAspect="1"/>
+          </p:cNvPicPr>
+          <p:nvPr/>
+        </p:nvPicPr>
+        <p:blipFill>
+          <a:blip r:embed="rId2"/>
+          <a:stretch>
+            <a:fillRect/>
+          </a:stretch>
+        </p:blipFill>
+        <p:spPr>
+          <a:xfrm>
+            <a:off x="3469466" y="0"/>
+            <a:ext cx="6429908" cy="6858000"/>
+          </a:xfrm>
+          <a:prstGeom prst="rect">
+            <a:avLst/>
+          </a:prstGeom>
+        </p:spPr>
+      </p:pic>
     </p:spTree>
     <p:extLst>
       <p:ext uri="{BB962C8B-B14F-4D97-AF65-F5344CB8AC3E}">
@@ -32121,113 +32131,39 @@
       </p:grpSpPr>
       <p:sp>
         <p:nvSpPr>
-          <p:cNvPr id="2" name="Title 1">
+          <p:cNvPr id="2" name="TextBox 1">
             <a:extLst>
               <a:ext uri="{FF2B5EF4-FFF2-40B4-BE49-F238E27FC236}">
-                <a16:creationId xmlns:a16="http://schemas.microsoft.com/office/drawing/2014/main" id="{2E61D319-1005-4B68-99D5-45426BFE0233}"/>
+                <a16:creationId xmlns:a16="http://schemas.microsoft.com/office/drawing/2014/main" id="{26D48CC8-9E21-4827-AF27-D578A8A75DFA}"/>
               </a:ext>
             </a:extLst>
           </p:cNvPr>
-          <p:cNvSpPr>
-            <a:spLocks noGrp="1"/>
-          </p:cNvSpPr>
-          <p:nvPr>
-            <p:ph type="title"/>
-          </p:nvPr>
+          <p:cNvSpPr txBox="1"/>
+          <p:nvPr/>
         </p:nvSpPr>
-        <p:spPr/>
+        <p:spPr>
+          <a:xfrm>
+            <a:off x="1868557" y="3127513"/>
+            <a:ext cx="8680173" cy="1107996"/>
+          </a:xfrm>
+          <a:prstGeom prst="rect">
+            <a:avLst/>
+          </a:prstGeom>
+          <a:noFill/>
+        </p:spPr>
         <p:txBody>
-          <a:bodyPr/>
+          <a:bodyPr wrap="square" rtlCol="0">
+            <a:spAutoFit/>
+          </a:bodyPr>
           <a:lstStyle/>
           <a:p>
             <a:r>
-              <a:rPr lang="en-US" dirty="0">
+              <a:rPr lang="en-GB" sz="6600" b="1" u="sng" dirty="0">
                 <a:solidFill>
                   <a:srgbClr val="7030A0"/>
                 </a:solidFill>
               </a:rPr>
-              <a:t>REFERENCES</a:t>
-            </a:r>
-            <a:endParaRPr lang="en-GB" dirty="0">
-              <a:solidFill>
-                <a:srgbClr val="7030A0"/>
-              </a:solidFill>
-            </a:endParaRPr>
-          </a:p>
-        </p:txBody>
-      </p:sp>
-      <p:sp>
-        <p:nvSpPr>
-          <p:cNvPr id="3" name="Content Placeholder 2">
-            <a:extLst>
-              <a:ext uri="{FF2B5EF4-FFF2-40B4-BE49-F238E27FC236}">
-                <a16:creationId xmlns:a16="http://schemas.microsoft.com/office/drawing/2014/main" id="{60F0CDE1-41B8-44AB-B890-40B7605EBA5F}"/>
-              </a:ext>
-            </a:extLst>
-          </p:cNvPr>
-          <p:cNvSpPr>
-            <a:spLocks noGrp="1"/>
-          </p:cNvSpPr>
-          <p:nvPr>
-            <p:ph idx="1"/>
-          </p:nvPr>
-        </p:nvSpPr>
-        <p:spPr/>
-        <p:txBody>
-          <a:bodyPr/>
-          <a:lstStyle/>
-          <a:p>
-            <a:pPr marL="0" indent="0" algn="ctr">
-              <a:buNone/>
-            </a:pPr>
-            <a:r>
-              <a:rPr lang="en-US" dirty="0"/>
-              <a:t>Facebook </a:t>
-            </a:r>
-          </a:p>
-          <a:p>
-            <a:pPr marL="0" indent="0" algn="ctr">
-              <a:buNone/>
-            </a:pPr>
-            <a:r>
-              <a:rPr lang="en-US" dirty="0"/>
-              <a:t>WhatsApp</a:t>
-            </a:r>
-          </a:p>
-          <a:p>
-            <a:pPr marL="0" indent="0" algn="ctr">
-              <a:buNone/>
-            </a:pPr>
-            <a:r>
-              <a:rPr lang="en-US" dirty="0"/>
-              <a:t>Telegram</a:t>
-            </a:r>
-          </a:p>
-          <a:p>
-            <a:pPr marL="0" indent="0" algn="ctr">
-              <a:buNone/>
-            </a:pPr>
-            <a:r>
-              <a:rPr lang="en-US" dirty="0"/>
-              <a:t>Google.com</a:t>
-            </a:r>
-          </a:p>
-          <a:p>
-            <a:pPr marL="0" indent="0" algn="ctr">
-              <a:buNone/>
-            </a:pPr>
-            <a:r>
-              <a:rPr lang="en-US" dirty="0"/>
-              <a:t>Instagram </a:t>
-            </a:r>
-          </a:p>
-          <a:p>
-            <a:pPr marL="0" indent="0" algn="ctr">
-              <a:buNone/>
-            </a:pPr>
-            <a:r>
-              <a:rPr lang="en-US" dirty="0"/>
-              <a:t>Twitter </a:t>
+              <a:t>Webform Design</a:t>
             </a:r>
           </a:p>
         </p:txBody>
@@ -32235,7 +32171,7 @@
     </p:spTree>
     <p:extLst>
       <p:ext uri="{BB962C8B-B14F-4D97-AF65-F5344CB8AC3E}">
-        <p14:creationId xmlns:p14="http://schemas.microsoft.com/office/powerpoint/2010/main" val="1697407817"/>
+        <p14:creationId xmlns:p14="http://schemas.microsoft.com/office/powerpoint/2010/main" val="2920354354"/>
       </p:ext>
     </p:extLst>
   </p:cSld>
@@ -32523,12 +32459,911 @@
           <a:chExt cx="0" cy="0"/>
         </a:xfrm>
       </p:grpSpPr>
+      <p:pic>
+        <p:nvPicPr>
+          <p:cNvPr id="3" name="Picture 2">
+            <a:extLst>
+              <a:ext uri="{FF2B5EF4-FFF2-40B4-BE49-F238E27FC236}">
+                <a16:creationId xmlns:a16="http://schemas.microsoft.com/office/drawing/2014/main" id="{16BF2FE5-305F-4E20-A2A7-2E75D748555D}"/>
+              </a:ext>
+            </a:extLst>
+          </p:cNvPr>
+          <p:cNvPicPr>
+            <a:picLocks noChangeAspect="1"/>
+          </p:cNvPicPr>
+          <p:nvPr/>
+        </p:nvPicPr>
+        <p:blipFill>
+          <a:blip r:embed="rId2"/>
+          <a:stretch>
+            <a:fillRect/>
+          </a:stretch>
+        </p:blipFill>
+        <p:spPr>
+          <a:xfrm>
+            <a:off x="1060174" y="1022735"/>
+            <a:ext cx="10707756" cy="5179282"/>
+          </a:xfrm>
+          <a:prstGeom prst="rect">
+            <a:avLst/>
+          </a:prstGeom>
+        </p:spPr>
+      </p:pic>
+      <p:sp>
+        <p:nvSpPr>
+          <p:cNvPr id="4" name="TextBox 3">
+            <a:extLst>
+              <a:ext uri="{FF2B5EF4-FFF2-40B4-BE49-F238E27FC236}">
+                <a16:creationId xmlns:a16="http://schemas.microsoft.com/office/drawing/2014/main" id="{303D08D3-F75D-4065-97A5-F027720E89B7}"/>
+              </a:ext>
+            </a:extLst>
+          </p:cNvPr>
+          <p:cNvSpPr txBox="1"/>
+          <p:nvPr/>
+        </p:nvSpPr>
+        <p:spPr>
+          <a:xfrm>
+            <a:off x="689113" y="172278"/>
+            <a:ext cx="4214191" cy="369332"/>
+          </a:xfrm>
+          <a:prstGeom prst="rect">
+            <a:avLst/>
+          </a:prstGeom>
+          <a:noFill/>
+        </p:spPr>
+        <p:txBody>
+          <a:bodyPr wrap="square" rtlCol="0">
+            <a:spAutoFit/>
+          </a:bodyPr>
+          <a:lstStyle/>
+          <a:p>
+            <a:r>
+              <a:rPr lang="en-GB" dirty="0"/>
+              <a:t>2.User registration form</a:t>
+            </a:r>
+          </a:p>
+        </p:txBody>
+      </p:sp>
+    </p:spTree>
+    <p:extLst>
+      <p:ext uri="{BB962C8B-B14F-4D97-AF65-F5344CB8AC3E}">
+        <p14:creationId xmlns:p14="http://schemas.microsoft.com/office/powerpoint/2010/main" val="3210641258"/>
+      </p:ext>
+    </p:extLst>
+  </p:cSld>
+  <p:clrMapOvr>
+    <a:masterClrMapping/>
+  </p:clrMapOvr>
+</p:sld>
+</file>
+
+<file path=ppt/slides/slide41.xml><?xml version="1.0" encoding="utf-8"?>
+<p:sld xmlns:a="http://schemas.openxmlformats.org/drawingml/2006/main" xmlns:r="http://schemas.openxmlformats.org/officeDocument/2006/relationships" xmlns:p="http://schemas.openxmlformats.org/presentationml/2006/main">
+  <p:cSld>
+    <p:spTree>
+      <p:nvGrpSpPr>
+        <p:cNvPr id="1" name=""/>
+        <p:cNvGrpSpPr/>
+        <p:nvPr/>
+      </p:nvGrpSpPr>
+      <p:grpSpPr>
+        <a:xfrm>
+          <a:off x="0" y="0"/>
+          <a:ext cx="0" cy="0"/>
+          <a:chOff x="0" y="0"/>
+          <a:chExt cx="0" cy="0"/>
+        </a:xfrm>
+      </p:grpSpPr>
+      <p:sp>
+        <p:nvSpPr>
+          <p:cNvPr id="2" name="TextBox 1">
+            <a:extLst>
+              <a:ext uri="{FF2B5EF4-FFF2-40B4-BE49-F238E27FC236}">
+                <a16:creationId xmlns:a16="http://schemas.microsoft.com/office/drawing/2014/main" id="{707D4C07-1904-4C00-A1A4-8D8EF48DB401}"/>
+              </a:ext>
+            </a:extLst>
+          </p:cNvPr>
+          <p:cNvSpPr txBox="1"/>
+          <p:nvPr/>
+        </p:nvSpPr>
+        <p:spPr>
+          <a:xfrm>
+            <a:off x="384313" y="238539"/>
+            <a:ext cx="3419061" cy="369332"/>
+          </a:xfrm>
+          <a:prstGeom prst="rect">
+            <a:avLst/>
+          </a:prstGeom>
+          <a:noFill/>
+        </p:spPr>
+        <p:txBody>
+          <a:bodyPr wrap="square" rtlCol="0">
+            <a:spAutoFit/>
+          </a:bodyPr>
+          <a:lstStyle/>
+          <a:p>
+            <a:r>
+              <a:rPr lang="en-GB" dirty="0"/>
+              <a:t>1.UserLogin form</a:t>
+            </a:r>
+          </a:p>
+        </p:txBody>
+      </p:sp>
+      <p:pic>
+        <p:nvPicPr>
+          <p:cNvPr id="4" name="Picture 3">
+            <a:extLst>
+              <a:ext uri="{FF2B5EF4-FFF2-40B4-BE49-F238E27FC236}">
+                <a16:creationId xmlns:a16="http://schemas.microsoft.com/office/drawing/2014/main" id="{E807D772-ECD1-4831-80BA-F55505A9C3FF}"/>
+              </a:ext>
+            </a:extLst>
+          </p:cNvPr>
+          <p:cNvPicPr>
+            <a:picLocks noChangeAspect="1"/>
+          </p:cNvPicPr>
+          <p:nvPr/>
+        </p:nvPicPr>
+        <p:blipFill>
+          <a:blip r:embed="rId2"/>
+          <a:stretch>
+            <a:fillRect/>
+          </a:stretch>
+        </p:blipFill>
+        <p:spPr>
+          <a:xfrm>
+            <a:off x="1113183" y="607871"/>
+            <a:ext cx="10137913" cy="5421868"/>
+          </a:xfrm>
+          <a:prstGeom prst="rect">
+            <a:avLst/>
+          </a:prstGeom>
+        </p:spPr>
+      </p:pic>
+    </p:spTree>
+    <p:extLst>
+      <p:ext uri="{BB962C8B-B14F-4D97-AF65-F5344CB8AC3E}">
+        <p14:creationId xmlns:p14="http://schemas.microsoft.com/office/powerpoint/2010/main" val="148431911"/>
+      </p:ext>
+    </p:extLst>
+  </p:cSld>
+  <p:clrMapOvr>
+    <a:masterClrMapping/>
+  </p:clrMapOvr>
+</p:sld>
+</file>
+
+<file path=ppt/slides/slide42.xml><?xml version="1.0" encoding="utf-8"?>
+<p:sld xmlns:a="http://schemas.openxmlformats.org/drawingml/2006/main" xmlns:r="http://schemas.openxmlformats.org/officeDocument/2006/relationships" xmlns:p="http://schemas.openxmlformats.org/presentationml/2006/main">
+  <p:cSld>
+    <p:spTree>
+      <p:nvGrpSpPr>
+        <p:cNvPr id="1" name=""/>
+        <p:cNvGrpSpPr/>
+        <p:nvPr/>
+      </p:nvGrpSpPr>
+      <p:grpSpPr>
+        <a:xfrm>
+          <a:off x="0" y="0"/>
+          <a:ext cx="0" cy="0"/>
+          <a:chOff x="0" y="0"/>
+          <a:chExt cx="0" cy="0"/>
+        </a:xfrm>
+      </p:grpSpPr>
+      <p:sp>
+        <p:nvSpPr>
+          <p:cNvPr id="2" name="TextBox 1">
+            <a:extLst>
+              <a:ext uri="{FF2B5EF4-FFF2-40B4-BE49-F238E27FC236}">
+                <a16:creationId xmlns:a16="http://schemas.microsoft.com/office/drawing/2014/main" id="{EF137982-DD2D-4C3A-AE2C-2DDBC5124315}"/>
+              </a:ext>
+            </a:extLst>
+          </p:cNvPr>
+          <p:cNvSpPr txBox="1"/>
+          <p:nvPr/>
+        </p:nvSpPr>
+        <p:spPr>
+          <a:xfrm>
+            <a:off x="742122" y="212035"/>
+            <a:ext cx="4969565" cy="369332"/>
+          </a:xfrm>
+          <a:prstGeom prst="rect">
+            <a:avLst/>
+          </a:prstGeom>
+          <a:noFill/>
+        </p:spPr>
+        <p:txBody>
+          <a:bodyPr wrap="square" rtlCol="0">
+            <a:spAutoFit/>
+          </a:bodyPr>
+          <a:lstStyle/>
+          <a:p>
+            <a:r>
+              <a:rPr lang="en-GB" dirty="0"/>
+              <a:t>1.1UserLogin form</a:t>
+            </a:r>
+          </a:p>
+        </p:txBody>
+      </p:sp>
+      <p:pic>
+        <p:nvPicPr>
+          <p:cNvPr id="4" name="Picture 3">
+            <a:extLst>
+              <a:ext uri="{FF2B5EF4-FFF2-40B4-BE49-F238E27FC236}">
+                <a16:creationId xmlns:a16="http://schemas.microsoft.com/office/drawing/2014/main" id="{443C5B55-FE41-4C01-9115-4842A7C50D58}"/>
+              </a:ext>
+            </a:extLst>
+          </p:cNvPr>
+          <p:cNvPicPr>
+            <a:picLocks noChangeAspect="1"/>
+          </p:cNvPicPr>
+          <p:nvPr/>
+        </p:nvPicPr>
+        <p:blipFill>
+          <a:blip r:embed="rId2"/>
+          <a:stretch>
+            <a:fillRect/>
+          </a:stretch>
+        </p:blipFill>
+        <p:spPr>
+          <a:xfrm>
+            <a:off x="198784" y="940905"/>
+            <a:ext cx="10734260" cy="4465982"/>
+          </a:xfrm>
+          <a:prstGeom prst="rect">
+            <a:avLst/>
+          </a:prstGeom>
+        </p:spPr>
+      </p:pic>
+      <p:sp>
+        <p:nvSpPr>
+          <p:cNvPr id="5" name="TextBox 4">
+            <a:extLst>
+              <a:ext uri="{FF2B5EF4-FFF2-40B4-BE49-F238E27FC236}">
+                <a16:creationId xmlns:a16="http://schemas.microsoft.com/office/drawing/2014/main" id="{DE3A7142-FB8E-4FD1-98D6-F8AF1D14D66D}"/>
+              </a:ext>
+            </a:extLst>
+          </p:cNvPr>
+          <p:cNvSpPr txBox="1"/>
+          <p:nvPr/>
+        </p:nvSpPr>
+        <p:spPr>
+          <a:xfrm>
+            <a:off x="636104" y="5711687"/>
+            <a:ext cx="9568070" cy="369332"/>
+          </a:xfrm>
+          <a:prstGeom prst="rect">
+            <a:avLst/>
+          </a:prstGeom>
+          <a:noFill/>
+        </p:spPr>
+        <p:txBody>
+          <a:bodyPr wrap="square" rtlCol="0">
+            <a:spAutoFit/>
+          </a:bodyPr>
+          <a:lstStyle/>
+          <a:p>
+            <a:r>
+              <a:rPr lang="en-GB" dirty="0"/>
+              <a:t>Description: this page show  error in </a:t>
+            </a:r>
+            <a:r>
+              <a:rPr lang="en-GB" dirty="0" err="1"/>
+              <a:t>userlogin</a:t>
+            </a:r>
+            <a:r>
+              <a:rPr lang="en-GB" dirty="0"/>
+              <a:t> form</a:t>
+            </a:r>
+          </a:p>
+        </p:txBody>
+      </p:sp>
+    </p:spTree>
+    <p:extLst>
+      <p:ext uri="{BB962C8B-B14F-4D97-AF65-F5344CB8AC3E}">
+        <p14:creationId xmlns:p14="http://schemas.microsoft.com/office/powerpoint/2010/main" val="1836895555"/>
+      </p:ext>
+    </p:extLst>
+  </p:cSld>
+  <p:clrMapOvr>
+    <a:masterClrMapping/>
+  </p:clrMapOvr>
+</p:sld>
+</file>
+
+<file path=ppt/slides/slide43.xml><?xml version="1.0" encoding="utf-8"?>
+<p:sld xmlns:a="http://schemas.openxmlformats.org/drawingml/2006/main" xmlns:r="http://schemas.openxmlformats.org/officeDocument/2006/relationships" xmlns:p="http://schemas.openxmlformats.org/presentationml/2006/main">
+  <p:cSld>
+    <p:spTree>
+      <p:nvGrpSpPr>
+        <p:cNvPr id="1" name=""/>
+        <p:cNvGrpSpPr/>
+        <p:nvPr/>
+      </p:nvGrpSpPr>
+      <p:grpSpPr>
+        <a:xfrm>
+          <a:off x="0" y="0"/>
+          <a:ext cx="0" cy="0"/>
+          <a:chOff x="0" y="0"/>
+          <a:chExt cx="0" cy="0"/>
+        </a:xfrm>
+      </p:grpSpPr>
+      <p:sp>
+        <p:nvSpPr>
+          <p:cNvPr id="2" name="TextBox 1">
+            <a:extLst>
+              <a:ext uri="{FF2B5EF4-FFF2-40B4-BE49-F238E27FC236}">
+                <a16:creationId xmlns:a16="http://schemas.microsoft.com/office/drawing/2014/main" id="{FA3B9AB4-BB2F-4DB1-BCB7-6D41B811CC34}"/>
+              </a:ext>
+            </a:extLst>
+          </p:cNvPr>
+          <p:cNvSpPr txBox="1"/>
+          <p:nvPr/>
+        </p:nvSpPr>
+        <p:spPr>
+          <a:xfrm flipH="1">
+            <a:off x="695076" y="318052"/>
+            <a:ext cx="2472194" cy="369332"/>
+          </a:xfrm>
+          <a:prstGeom prst="rect">
+            <a:avLst/>
+          </a:prstGeom>
+          <a:noFill/>
+        </p:spPr>
+        <p:txBody>
+          <a:bodyPr wrap="square" rtlCol="0">
+            <a:spAutoFit/>
+          </a:bodyPr>
+          <a:lstStyle/>
+          <a:p>
+            <a:r>
+              <a:rPr lang="en-GB" dirty="0"/>
+              <a:t>3.Chat form</a:t>
+            </a:r>
+          </a:p>
+        </p:txBody>
+      </p:sp>
+      <p:pic>
+        <p:nvPicPr>
+          <p:cNvPr id="4" name="Picture 3">
+            <a:extLst>
+              <a:ext uri="{FF2B5EF4-FFF2-40B4-BE49-F238E27FC236}">
+                <a16:creationId xmlns:a16="http://schemas.microsoft.com/office/drawing/2014/main" id="{6F06B505-C2CF-46FE-9B44-7264ABB007EE}"/>
+              </a:ext>
+            </a:extLst>
+          </p:cNvPr>
+          <p:cNvPicPr>
+            <a:picLocks noChangeAspect="1"/>
+          </p:cNvPicPr>
+          <p:nvPr/>
+        </p:nvPicPr>
+        <p:blipFill>
+          <a:blip r:embed="rId2"/>
+          <a:stretch>
+            <a:fillRect/>
+          </a:stretch>
+        </p:blipFill>
+        <p:spPr>
+          <a:xfrm>
+            <a:off x="980661" y="874643"/>
+            <a:ext cx="10548729" cy="5565913"/>
+          </a:xfrm>
+          <a:prstGeom prst="rect">
+            <a:avLst/>
+          </a:prstGeom>
+        </p:spPr>
+      </p:pic>
+    </p:spTree>
+    <p:extLst>
+      <p:ext uri="{BB962C8B-B14F-4D97-AF65-F5344CB8AC3E}">
+        <p14:creationId xmlns:p14="http://schemas.microsoft.com/office/powerpoint/2010/main" val="3073794116"/>
+      </p:ext>
+    </p:extLst>
+  </p:cSld>
+  <p:clrMapOvr>
+    <a:masterClrMapping/>
+  </p:clrMapOvr>
+</p:sld>
+</file>
+
+<file path=ppt/slides/slide44.xml><?xml version="1.0" encoding="utf-8"?>
+<p:sld xmlns:a="http://schemas.openxmlformats.org/drawingml/2006/main" xmlns:r="http://schemas.openxmlformats.org/officeDocument/2006/relationships" xmlns:p="http://schemas.openxmlformats.org/presentationml/2006/main">
+  <p:cSld>
+    <p:spTree>
+      <p:nvGrpSpPr>
+        <p:cNvPr id="1" name=""/>
+        <p:cNvGrpSpPr/>
+        <p:nvPr/>
+      </p:nvGrpSpPr>
+      <p:grpSpPr>
+        <a:xfrm>
+          <a:off x="0" y="0"/>
+          <a:ext cx="0" cy="0"/>
+          <a:chOff x="0" y="0"/>
+          <a:chExt cx="0" cy="0"/>
+        </a:xfrm>
+      </p:grpSpPr>
+      <p:sp>
+        <p:nvSpPr>
+          <p:cNvPr id="2" name="TextBox 1">
+            <a:extLst>
+              <a:ext uri="{FF2B5EF4-FFF2-40B4-BE49-F238E27FC236}">
+                <a16:creationId xmlns:a16="http://schemas.microsoft.com/office/drawing/2014/main" id="{2EB4CC45-E3E7-4AB3-B552-DCBCC2FEB5DB}"/>
+              </a:ext>
+            </a:extLst>
+          </p:cNvPr>
+          <p:cNvSpPr txBox="1"/>
+          <p:nvPr/>
+        </p:nvSpPr>
+        <p:spPr>
+          <a:xfrm>
+            <a:off x="622852" y="437322"/>
+            <a:ext cx="2941983" cy="369332"/>
+          </a:xfrm>
+          <a:prstGeom prst="rect">
+            <a:avLst/>
+          </a:prstGeom>
+          <a:noFill/>
+        </p:spPr>
+        <p:txBody>
+          <a:bodyPr wrap="square" rtlCol="0">
+            <a:spAutoFit/>
+          </a:bodyPr>
+          <a:lstStyle/>
+          <a:p>
+            <a:r>
+              <a:rPr lang="en-GB" dirty="0"/>
+              <a:t>4.Userprofile form</a:t>
+            </a:r>
+          </a:p>
+        </p:txBody>
+      </p:sp>
+      <p:pic>
+        <p:nvPicPr>
+          <p:cNvPr id="4" name="Picture 3">
+            <a:extLst>
+              <a:ext uri="{FF2B5EF4-FFF2-40B4-BE49-F238E27FC236}">
+                <a16:creationId xmlns:a16="http://schemas.microsoft.com/office/drawing/2014/main" id="{F5A22CC4-5605-4052-8CFE-25E45427373D}"/>
+              </a:ext>
+            </a:extLst>
+          </p:cNvPr>
+          <p:cNvPicPr>
+            <a:picLocks noChangeAspect="1"/>
+          </p:cNvPicPr>
+          <p:nvPr/>
+        </p:nvPicPr>
+        <p:blipFill>
+          <a:blip r:embed="rId2"/>
+          <a:stretch>
+            <a:fillRect/>
+          </a:stretch>
+        </p:blipFill>
+        <p:spPr>
+          <a:xfrm>
+            <a:off x="1364975" y="1391478"/>
+            <a:ext cx="9236764" cy="5155096"/>
+          </a:xfrm>
+          <a:prstGeom prst="rect">
+            <a:avLst/>
+          </a:prstGeom>
+        </p:spPr>
+      </p:pic>
+    </p:spTree>
+    <p:extLst>
+      <p:ext uri="{BB962C8B-B14F-4D97-AF65-F5344CB8AC3E}">
+        <p14:creationId xmlns:p14="http://schemas.microsoft.com/office/powerpoint/2010/main" val="1814485626"/>
+      </p:ext>
+    </p:extLst>
+  </p:cSld>
+  <p:clrMapOvr>
+    <a:masterClrMapping/>
+  </p:clrMapOvr>
+</p:sld>
+</file>
+
+<file path=ppt/slides/slide45.xml><?xml version="1.0" encoding="utf-8"?>
+<p:sld xmlns:a="http://schemas.openxmlformats.org/drawingml/2006/main" xmlns:r="http://schemas.openxmlformats.org/officeDocument/2006/relationships" xmlns:p="http://schemas.openxmlformats.org/presentationml/2006/main">
+  <p:cSld>
+    <p:spTree>
+      <p:nvGrpSpPr>
+        <p:cNvPr id="1" name=""/>
+        <p:cNvGrpSpPr/>
+        <p:nvPr/>
+      </p:nvGrpSpPr>
+      <p:grpSpPr>
+        <a:xfrm>
+          <a:off x="0" y="0"/>
+          <a:ext cx="0" cy="0"/>
+          <a:chOff x="0" y="0"/>
+          <a:chExt cx="0" cy="0"/>
+        </a:xfrm>
+      </p:grpSpPr>
+      <p:sp>
+        <p:nvSpPr>
+          <p:cNvPr id="3" name="TextBox 2">
+            <a:extLst>
+              <a:ext uri="{FF2B5EF4-FFF2-40B4-BE49-F238E27FC236}">
+                <a16:creationId xmlns:a16="http://schemas.microsoft.com/office/drawing/2014/main" id="{53FB2C40-053E-4769-BB2C-BE36F1E0B6AF}"/>
+              </a:ext>
+            </a:extLst>
+          </p:cNvPr>
+          <p:cNvSpPr txBox="1"/>
+          <p:nvPr/>
+        </p:nvSpPr>
+        <p:spPr>
+          <a:xfrm>
+            <a:off x="291548" y="225287"/>
+            <a:ext cx="4373217" cy="369332"/>
+          </a:xfrm>
+          <a:prstGeom prst="rect">
+            <a:avLst/>
+          </a:prstGeom>
+          <a:noFill/>
+        </p:spPr>
+        <p:txBody>
+          <a:bodyPr wrap="square" rtlCol="0">
+            <a:spAutoFit/>
+          </a:bodyPr>
+          <a:lstStyle/>
+          <a:p>
+            <a:r>
+              <a:rPr lang="en-GB" dirty="0"/>
+              <a:t>5.Editprofile </a:t>
+            </a:r>
+          </a:p>
+        </p:txBody>
+      </p:sp>
+      <p:pic>
+        <p:nvPicPr>
+          <p:cNvPr id="5" name="Picture 4">
+            <a:extLst>
+              <a:ext uri="{FF2B5EF4-FFF2-40B4-BE49-F238E27FC236}">
+                <a16:creationId xmlns:a16="http://schemas.microsoft.com/office/drawing/2014/main" id="{4936236A-550F-41A1-9A43-567C21FE7963}"/>
+              </a:ext>
+            </a:extLst>
+          </p:cNvPr>
+          <p:cNvPicPr>
+            <a:picLocks noChangeAspect="1"/>
+          </p:cNvPicPr>
+          <p:nvPr/>
+        </p:nvPicPr>
+        <p:blipFill>
+          <a:blip r:embed="rId2"/>
+          <a:stretch>
+            <a:fillRect/>
+          </a:stretch>
+        </p:blipFill>
+        <p:spPr>
+          <a:xfrm>
+            <a:off x="1033670" y="980661"/>
+            <a:ext cx="9250017" cy="5035826"/>
+          </a:xfrm>
+          <a:prstGeom prst="rect">
+            <a:avLst/>
+          </a:prstGeom>
+        </p:spPr>
+      </p:pic>
+    </p:spTree>
+    <p:extLst>
+      <p:ext uri="{BB962C8B-B14F-4D97-AF65-F5344CB8AC3E}">
+        <p14:creationId xmlns:p14="http://schemas.microsoft.com/office/powerpoint/2010/main" val="277436050"/>
+      </p:ext>
+    </p:extLst>
+  </p:cSld>
+  <p:clrMapOvr>
+    <a:masterClrMapping/>
+  </p:clrMapOvr>
+</p:sld>
+</file>
+
+<file path=ppt/slides/slide46.xml><?xml version="1.0" encoding="utf-8"?>
+<p:sld xmlns:a="http://schemas.openxmlformats.org/drawingml/2006/main" xmlns:r="http://schemas.openxmlformats.org/officeDocument/2006/relationships" xmlns:p="http://schemas.openxmlformats.org/presentationml/2006/main">
+  <p:cSld>
+    <p:spTree>
+      <p:nvGrpSpPr>
+        <p:cNvPr id="1" name=""/>
+        <p:cNvGrpSpPr/>
+        <p:nvPr/>
+      </p:nvGrpSpPr>
+      <p:grpSpPr>
+        <a:xfrm>
+          <a:off x="0" y="0"/>
+          <a:ext cx="0" cy="0"/>
+          <a:chOff x="0" y="0"/>
+          <a:chExt cx="0" cy="0"/>
+        </a:xfrm>
+      </p:grpSpPr>
+      <p:sp>
+        <p:nvSpPr>
+          <p:cNvPr id="2" name="TextBox 1">
+            <a:extLst>
+              <a:ext uri="{FF2B5EF4-FFF2-40B4-BE49-F238E27FC236}">
+                <a16:creationId xmlns:a16="http://schemas.microsoft.com/office/drawing/2014/main" id="{CA5453E4-0297-442C-9DB0-87566F8F6AD4}"/>
+              </a:ext>
+            </a:extLst>
+          </p:cNvPr>
+          <p:cNvSpPr txBox="1"/>
+          <p:nvPr/>
+        </p:nvSpPr>
+        <p:spPr>
+          <a:xfrm>
+            <a:off x="874643" y="410817"/>
+            <a:ext cx="5221357" cy="369332"/>
+          </a:xfrm>
+          <a:prstGeom prst="rect">
+            <a:avLst/>
+          </a:prstGeom>
+          <a:noFill/>
+        </p:spPr>
+        <p:txBody>
+          <a:bodyPr wrap="square" rtlCol="0">
+            <a:spAutoFit/>
+          </a:bodyPr>
+          <a:lstStyle/>
+          <a:p>
+            <a:r>
+              <a:rPr lang="en-GB" dirty="0"/>
+              <a:t>6.Create group </a:t>
+            </a:r>
+          </a:p>
+        </p:txBody>
+      </p:sp>
+      <p:pic>
+        <p:nvPicPr>
+          <p:cNvPr id="4" name="Picture 3">
+            <a:extLst>
+              <a:ext uri="{FF2B5EF4-FFF2-40B4-BE49-F238E27FC236}">
+                <a16:creationId xmlns:a16="http://schemas.microsoft.com/office/drawing/2014/main" id="{E2A11CA1-FF67-45D8-BE4C-EC0A9640F30C}"/>
+              </a:ext>
+            </a:extLst>
+          </p:cNvPr>
+          <p:cNvPicPr>
+            <a:picLocks noChangeAspect="1"/>
+          </p:cNvPicPr>
+          <p:nvPr/>
+        </p:nvPicPr>
+        <p:blipFill>
+          <a:blip r:embed="rId2"/>
+          <a:stretch>
+            <a:fillRect/>
+          </a:stretch>
+        </p:blipFill>
+        <p:spPr>
+          <a:xfrm>
+            <a:off x="1497496" y="1113183"/>
+            <a:ext cx="8719930" cy="5334000"/>
+          </a:xfrm>
+          <a:prstGeom prst="rect">
+            <a:avLst/>
+          </a:prstGeom>
+        </p:spPr>
+      </p:pic>
+    </p:spTree>
+    <p:extLst>
+      <p:ext uri="{BB962C8B-B14F-4D97-AF65-F5344CB8AC3E}">
+        <p14:creationId xmlns:p14="http://schemas.microsoft.com/office/powerpoint/2010/main" val="4047285025"/>
+      </p:ext>
+    </p:extLst>
+  </p:cSld>
+  <p:clrMapOvr>
+    <a:masterClrMapping/>
+  </p:clrMapOvr>
+</p:sld>
+</file>
+
+<file path=ppt/slides/slide47.xml><?xml version="1.0" encoding="utf-8"?>
+<p:sld xmlns:a="http://schemas.openxmlformats.org/drawingml/2006/main" xmlns:r="http://schemas.openxmlformats.org/officeDocument/2006/relationships" xmlns:p="http://schemas.openxmlformats.org/presentationml/2006/main">
+  <p:cSld>
+    <p:spTree>
+      <p:nvGrpSpPr>
+        <p:cNvPr id="1" name=""/>
+        <p:cNvGrpSpPr/>
+        <p:nvPr/>
+      </p:nvGrpSpPr>
+      <p:grpSpPr>
+        <a:xfrm>
+          <a:off x="0" y="0"/>
+          <a:ext cx="0" cy="0"/>
+          <a:chOff x="0" y="0"/>
+          <a:chExt cx="0" cy="0"/>
+        </a:xfrm>
+      </p:grpSpPr>
+      <p:sp>
+        <p:nvSpPr>
+          <p:cNvPr id="2" name="TextBox 1">
+            <a:extLst>
+              <a:ext uri="{FF2B5EF4-FFF2-40B4-BE49-F238E27FC236}">
+                <a16:creationId xmlns:a16="http://schemas.microsoft.com/office/drawing/2014/main" id="{0957136E-CD1C-4A9E-85BC-6D0D06B42025}"/>
+              </a:ext>
+            </a:extLst>
+          </p:cNvPr>
+          <p:cNvSpPr txBox="1"/>
+          <p:nvPr/>
+        </p:nvSpPr>
+        <p:spPr>
+          <a:xfrm>
+            <a:off x="238539" y="424070"/>
+            <a:ext cx="6268278" cy="369332"/>
+          </a:xfrm>
+          <a:prstGeom prst="rect">
+            <a:avLst/>
+          </a:prstGeom>
+          <a:noFill/>
+        </p:spPr>
+        <p:txBody>
+          <a:bodyPr wrap="square" rtlCol="0">
+            <a:spAutoFit/>
+          </a:bodyPr>
+          <a:lstStyle/>
+          <a:p>
+            <a:r>
+              <a:rPr lang="en-GB" dirty="0"/>
+              <a:t>6.1 Create group   </a:t>
+            </a:r>
+          </a:p>
+        </p:txBody>
+      </p:sp>
+      <p:pic>
+        <p:nvPicPr>
+          <p:cNvPr id="4" name="Picture 3">
+            <a:extLst>
+              <a:ext uri="{FF2B5EF4-FFF2-40B4-BE49-F238E27FC236}">
+                <a16:creationId xmlns:a16="http://schemas.microsoft.com/office/drawing/2014/main" id="{71FBDFA1-0A93-44E3-9959-CF193E25A0FF}"/>
+              </a:ext>
+            </a:extLst>
+          </p:cNvPr>
+          <p:cNvPicPr>
+            <a:picLocks noChangeAspect="1"/>
+          </p:cNvPicPr>
+          <p:nvPr/>
+        </p:nvPicPr>
+        <p:blipFill>
+          <a:blip r:embed="rId2"/>
+          <a:stretch>
+            <a:fillRect/>
+          </a:stretch>
+        </p:blipFill>
+        <p:spPr>
+          <a:xfrm>
+            <a:off x="1444487" y="1431235"/>
+            <a:ext cx="8269355" cy="4214191"/>
+          </a:xfrm>
+          <a:prstGeom prst="rect">
+            <a:avLst/>
+          </a:prstGeom>
+        </p:spPr>
+      </p:pic>
+    </p:spTree>
+    <p:extLst>
+      <p:ext uri="{BB962C8B-B14F-4D97-AF65-F5344CB8AC3E}">
+        <p14:creationId xmlns:p14="http://schemas.microsoft.com/office/powerpoint/2010/main" val="2638010764"/>
+      </p:ext>
+    </p:extLst>
+  </p:cSld>
+  <p:clrMapOvr>
+    <a:masterClrMapping/>
+  </p:clrMapOvr>
+</p:sld>
+</file>
+
+<file path=ppt/slides/slide48.xml><?xml version="1.0" encoding="utf-8"?>
+<p:sld xmlns:a="http://schemas.openxmlformats.org/drawingml/2006/main" xmlns:r="http://schemas.openxmlformats.org/officeDocument/2006/relationships" xmlns:p="http://schemas.openxmlformats.org/presentationml/2006/main">
+  <p:cSld>
+    <p:spTree>
+      <p:nvGrpSpPr>
+        <p:cNvPr id="1" name=""/>
+        <p:cNvGrpSpPr/>
+        <p:nvPr/>
+      </p:nvGrpSpPr>
+      <p:grpSpPr>
+        <a:xfrm>
+          <a:off x="0" y="0"/>
+          <a:ext cx="0" cy="0"/>
+          <a:chOff x="0" y="0"/>
+          <a:chExt cx="0" cy="0"/>
+        </a:xfrm>
+      </p:grpSpPr>
+      <p:sp>
+        <p:nvSpPr>
+          <p:cNvPr id="2" name="TextBox 1">
+            <a:extLst>
+              <a:ext uri="{FF2B5EF4-FFF2-40B4-BE49-F238E27FC236}">
+                <a16:creationId xmlns:a16="http://schemas.microsoft.com/office/drawing/2014/main" id="{0589C0DB-022E-4FF2-8F27-0B3F06862FCF}"/>
+              </a:ext>
+            </a:extLst>
+          </p:cNvPr>
+          <p:cNvSpPr txBox="1"/>
+          <p:nvPr/>
+        </p:nvSpPr>
+        <p:spPr>
+          <a:xfrm>
+            <a:off x="834887" y="715617"/>
+            <a:ext cx="2756452" cy="369332"/>
+          </a:xfrm>
+          <a:prstGeom prst="rect">
+            <a:avLst/>
+          </a:prstGeom>
+          <a:noFill/>
+        </p:spPr>
+        <p:txBody>
+          <a:bodyPr wrap="square" rtlCol="0">
+            <a:spAutoFit/>
+          </a:bodyPr>
+          <a:lstStyle/>
+          <a:p>
+            <a:r>
+              <a:rPr lang="en-US" dirty="0"/>
+              <a:t>7.Friend form</a:t>
+            </a:r>
+            <a:endParaRPr lang="en-GB" dirty="0"/>
+          </a:p>
+        </p:txBody>
+      </p:sp>
+      <p:pic>
+        <p:nvPicPr>
+          <p:cNvPr id="4" name="Picture 3">
+            <a:extLst>
+              <a:ext uri="{FF2B5EF4-FFF2-40B4-BE49-F238E27FC236}">
+                <a16:creationId xmlns:a16="http://schemas.microsoft.com/office/drawing/2014/main" id="{041F2B32-5BCA-4038-A109-10CCDECCEFCD}"/>
+              </a:ext>
+            </a:extLst>
+          </p:cNvPr>
+          <p:cNvPicPr>
+            <a:picLocks noChangeAspect="1"/>
+          </p:cNvPicPr>
+          <p:nvPr/>
+        </p:nvPicPr>
+        <p:blipFill>
+          <a:blip r:embed="rId2"/>
+          <a:stretch>
+            <a:fillRect/>
+          </a:stretch>
+        </p:blipFill>
+        <p:spPr>
+          <a:xfrm>
+            <a:off x="1219200" y="1497496"/>
+            <a:ext cx="9024730" cy="4929808"/>
+          </a:xfrm>
+          <a:prstGeom prst="rect">
+            <a:avLst/>
+          </a:prstGeom>
+        </p:spPr>
+      </p:pic>
+    </p:spTree>
+    <p:extLst>
+      <p:ext uri="{BB962C8B-B14F-4D97-AF65-F5344CB8AC3E}">
+        <p14:creationId xmlns:p14="http://schemas.microsoft.com/office/powerpoint/2010/main" val="3953871105"/>
+      </p:ext>
+    </p:extLst>
+  </p:cSld>
+  <p:clrMapOvr>
+    <a:masterClrMapping/>
+  </p:clrMapOvr>
+</p:sld>
+</file>
+
+<file path=ppt/slides/slide49.xml><?xml version="1.0" encoding="utf-8"?>
+<p:sld xmlns:a="http://schemas.openxmlformats.org/drawingml/2006/main" xmlns:r="http://schemas.openxmlformats.org/officeDocument/2006/relationships" xmlns:p="http://schemas.openxmlformats.org/presentationml/2006/main">
+  <p:cSld>
+    <p:spTree>
+      <p:nvGrpSpPr>
+        <p:cNvPr id="1" name=""/>
+        <p:cNvGrpSpPr/>
+        <p:nvPr/>
+      </p:nvGrpSpPr>
+      <p:grpSpPr>
+        <a:xfrm>
+          <a:off x="0" y="0"/>
+          <a:ext cx="0" cy="0"/>
+          <a:chOff x="0" y="0"/>
+          <a:chExt cx="0" cy="0"/>
+        </a:xfrm>
+      </p:grpSpPr>
       <p:sp>
         <p:nvSpPr>
           <p:cNvPr id="2" name="Title 1">
             <a:extLst>
               <a:ext uri="{FF2B5EF4-FFF2-40B4-BE49-F238E27FC236}">
-                <a16:creationId xmlns:a16="http://schemas.microsoft.com/office/drawing/2014/main" id="{749866FD-407D-4144-8508-47DCA9683A61}"/>
+                <a16:creationId xmlns:a16="http://schemas.microsoft.com/office/drawing/2014/main" id="{2E61D319-1005-4B68-99D5-45426BFE0233}"/>
               </a:ext>
             </a:extLst>
           </p:cNvPr>
@@ -32539,55 +33374,107 @@
             <p:ph type="title"/>
           </p:nvPr>
         </p:nvSpPr>
-        <p:spPr>
-          <a:xfrm>
-            <a:off x="384313" y="2991334"/>
-            <a:ext cx="10972800" cy="1143000"/>
-          </a:xfrm>
-          <a:ln>
-            <a:noFill/>
-          </a:ln>
-        </p:spPr>
+        <p:spPr/>
         <p:txBody>
           <a:bodyPr/>
           <a:lstStyle/>
           <a:p>
             <a:r>
-              <a:rPr lang="en-US" sz="9600" b="1" dirty="0">
+              <a:rPr lang="en-US" dirty="0">
                 <a:solidFill>
-                  <a:srgbClr val="002060"/>
+                  <a:srgbClr val="7030A0"/>
                 </a:solidFill>
-                <a:effectLst>
-                  <a:glow rad="101600">
-                    <a:schemeClr val="accent4">
-                      <a:satMod val="175000"/>
-                      <a:alpha val="40000"/>
-                    </a:schemeClr>
-                  </a:glow>
-                </a:effectLst>
               </a:rPr>
-              <a:t>Thank You</a:t>
+              <a:t>REFERENCES</a:t>
             </a:r>
-            <a:endParaRPr lang="en-GB" sz="9600" b="1" dirty="0">
+            <a:endParaRPr lang="en-GB" dirty="0">
               <a:solidFill>
-                <a:srgbClr val="002060"/>
+                <a:srgbClr val="7030A0"/>
               </a:solidFill>
-              <a:effectLst>
-                <a:glow rad="101600">
-                  <a:schemeClr val="accent4">
-                    <a:satMod val="175000"/>
-                    <a:alpha val="40000"/>
-                  </a:schemeClr>
-                </a:glow>
-              </a:effectLst>
             </a:endParaRPr>
+          </a:p>
+        </p:txBody>
+      </p:sp>
+      <p:sp>
+        <p:nvSpPr>
+          <p:cNvPr id="3" name="Content Placeholder 2">
+            <a:extLst>
+              <a:ext uri="{FF2B5EF4-FFF2-40B4-BE49-F238E27FC236}">
+                <a16:creationId xmlns:a16="http://schemas.microsoft.com/office/drawing/2014/main" id="{60F0CDE1-41B8-44AB-B890-40B7605EBA5F}"/>
+              </a:ext>
+            </a:extLst>
+          </p:cNvPr>
+          <p:cNvSpPr>
+            <a:spLocks noGrp="1"/>
+          </p:cNvSpPr>
+          <p:nvPr>
+            <p:ph idx="1"/>
+          </p:nvPr>
+        </p:nvSpPr>
+        <p:spPr/>
+        <p:txBody>
+          <a:bodyPr/>
+          <a:lstStyle/>
+          <a:p>
+            <a:pPr marL="0" indent="0" algn="ctr">
+              <a:buNone/>
+            </a:pPr>
+            <a:r>
+              <a:rPr lang="en-US" dirty="0"/>
+              <a:t>Facebook </a:t>
+            </a:r>
+          </a:p>
+          <a:p>
+            <a:pPr marL="0" indent="0" algn="ctr">
+              <a:buNone/>
+            </a:pPr>
+            <a:r>
+              <a:rPr lang="en-US" dirty="0"/>
+              <a:t>WhatsApp</a:t>
+            </a:r>
+          </a:p>
+          <a:p>
+            <a:pPr marL="0" indent="0" algn="ctr">
+              <a:buNone/>
+            </a:pPr>
+            <a:r>
+              <a:rPr lang="en-US" dirty="0"/>
+              <a:t>Telegram</a:t>
+            </a:r>
+          </a:p>
+          <a:p>
+            <a:pPr marL="0" indent="0" algn="ctr">
+              <a:buNone/>
+            </a:pPr>
+            <a:r>
+              <a:rPr lang="en-US" dirty="0"/>
+              <a:t>Google.com</a:t>
+            </a:r>
+          </a:p>
+          <a:p>
+            <a:pPr marL="0" indent="0" algn="ctr">
+              <a:buNone/>
+            </a:pPr>
+            <a:r>
+              <a:rPr lang="en-US" dirty="0"/>
+              <a:t>Instagram </a:t>
+            </a:r>
+          </a:p>
+          <a:p>
+            <a:pPr marL="0" indent="0" algn="ctr">
+              <a:buNone/>
+            </a:pPr>
+            <a:r>
+              <a:rPr lang="en-US" dirty="0"/>
+              <a:t>Twitter </a:t>
+            </a:r>
           </a:p>
         </p:txBody>
       </p:sp>
     </p:spTree>
     <p:extLst>
       <p:ext uri="{BB962C8B-B14F-4D97-AF65-F5344CB8AC3E}">
-        <p14:creationId xmlns:p14="http://schemas.microsoft.com/office/powerpoint/2010/main" val="1349689898"/>
+        <p14:creationId xmlns:p14="http://schemas.microsoft.com/office/powerpoint/2010/main" val="1697407817"/>
       </p:ext>
     </p:extLst>
   </p:cSld>
@@ -32827,6 +33714,97 @@
         </p:txBody>
       </p:sp>
     </p:spTree>
+  </p:cSld>
+  <p:clrMapOvr>
+    <a:masterClrMapping/>
+  </p:clrMapOvr>
+</p:sld>
+</file>
+
+<file path=ppt/slides/slide50.xml><?xml version="1.0" encoding="utf-8"?>
+<p:sld xmlns:a="http://schemas.openxmlformats.org/drawingml/2006/main" xmlns:r="http://schemas.openxmlformats.org/officeDocument/2006/relationships" xmlns:p="http://schemas.openxmlformats.org/presentationml/2006/main">
+  <p:cSld>
+    <p:spTree>
+      <p:nvGrpSpPr>
+        <p:cNvPr id="1" name=""/>
+        <p:cNvGrpSpPr/>
+        <p:nvPr/>
+      </p:nvGrpSpPr>
+      <p:grpSpPr>
+        <a:xfrm>
+          <a:off x="0" y="0"/>
+          <a:ext cx="0" cy="0"/>
+          <a:chOff x="0" y="0"/>
+          <a:chExt cx="0" cy="0"/>
+        </a:xfrm>
+      </p:grpSpPr>
+      <p:sp>
+        <p:nvSpPr>
+          <p:cNvPr id="2" name="Title 1">
+            <a:extLst>
+              <a:ext uri="{FF2B5EF4-FFF2-40B4-BE49-F238E27FC236}">
+                <a16:creationId xmlns:a16="http://schemas.microsoft.com/office/drawing/2014/main" id="{749866FD-407D-4144-8508-47DCA9683A61}"/>
+              </a:ext>
+            </a:extLst>
+          </p:cNvPr>
+          <p:cNvSpPr>
+            <a:spLocks noGrp="1"/>
+          </p:cNvSpPr>
+          <p:nvPr>
+            <p:ph type="title"/>
+          </p:nvPr>
+        </p:nvSpPr>
+        <p:spPr>
+          <a:xfrm>
+            <a:off x="384313" y="2991334"/>
+            <a:ext cx="10972800" cy="1143000"/>
+          </a:xfrm>
+          <a:ln>
+            <a:noFill/>
+          </a:ln>
+        </p:spPr>
+        <p:txBody>
+          <a:bodyPr/>
+          <a:lstStyle/>
+          <a:p>
+            <a:r>
+              <a:rPr lang="en-US" sz="9600" b="1" dirty="0">
+                <a:solidFill>
+                  <a:srgbClr val="002060"/>
+                </a:solidFill>
+                <a:effectLst>
+                  <a:glow rad="101600">
+                    <a:schemeClr val="accent4">
+                      <a:satMod val="175000"/>
+                      <a:alpha val="40000"/>
+                    </a:schemeClr>
+                  </a:glow>
+                </a:effectLst>
+              </a:rPr>
+              <a:t>Thank You</a:t>
+            </a:r>
+            <a:endParaRPr lang="en-GB" sz="9600" b="1" dirty="0">
+              <a:solidFill>
+                <a:srgbClr val="002060"/>
+              </a:solidFill>
+              <a:effectLst>
+                <a:glow rad="101600">
+                  <a:schemeClr val="accent4">
+                    <a:satMod val="175000"/>
+                    <a:alpha val="40000"/>
+                  </a:schemeClr>
+                </a:glow>
+              </a:effectLst>
+            </a:endParaRPr>
+          </a:p>
+        </p:txBody>
+      </p:sp>
+    </p:spTree>
+    <p:extLst>
+      <p:ext uri="{BB962C8B-B14F-4D97-AF65-F5344CB8AC3E}">
+        <p14:creationId xmlns:p14="http://schemas.microsoft.com/office/powerpoint/2010/main" val="1349689898"/>
+      </p:ext>
+    </p:extLst>
   </p:cSld>
   <p:clrMapOvr>
     <a:masterClrMapping/>
